--- a/Documentos/Status Report/StatusReport-semana3.pptx
+++ b/Documentos/Status Report/StatusReport-semana3.pptx
@@ -148,8 +148,7 @@
 <file path=ppt/revisionInfo.xml><?xml version="1.0" encoding="utf-8"?>
 <p1510:revInfo xmlns:a="http://schemas.openxmlformats.org/drawingml/2006/main" xmlns:r="http://schemas.openxmlformats.org/officeDocument/2006/relationships" xmlns:p1510="http://schemas.microsoft.com/office/powerpoint/2015/10/main">
   <p1510:revLst>
-    <p1510:client id="{1CE24054-D55D-4E21-B43F-8C1DE9ED68B7}" v="1" dt="2021-08-23T20:22:16.042"/>
-    <p1510:client id="{29C9D203-7231-4CBE-A003-F09D317886F8}" v="1" dt="2021-08-23T20:20:33.774"/>
+    <p1510:client id="{F2F90C09-B666-47FC-AB8D-C63007C60E86}" v="2" dt="2021-08-25T00:42:41.859"/>
   </p1510:revLst>
 </p1510:revInfo>
 </file>
@@ -249,6 +248,70 @@
       </pc:sldChg>
     </pc:docChg>
   </pc:docChgLst>
+  <pc:docChgLst>
+    <pc:chgData name="Ferreira, Vinicius Novais" userId="cbb4d67d-f9b3-40c7-a629-1bdeb4d5c819" providerId="ADAL" clId="{F2F90C09-B666-47FC-AB8D-C63007C60E86}"/>
+    <pc:docChg chg="undo custSel modSld">
+      <pc:chgData name="Ferreira, Vinicius Novais" userId="cbb4d67d-f9b3-40c7-a629-1bdeb4d5c819" providerId="ADAL" clId="{F2F90C09-B666-47FC-AB8D-C63007C60E86}" dt="2021-08-25T00:44:00.246" v="1038" actId="207"/>
+      <pc:docMkLst>
+        <pc:docMk/>
+      </pc:docMkLst>
+      <pc:sldChg chg="addSp delSp modSp mod">
+        <pc:chgData name="Ferreira, Vinicius Novais" userId="cbb4d67d-f9b3-40c7-a629-1bdeb4d5c819" providerId="ADAL" clId="{F2F90C09-B666-47FC-AB8D-C63007C60E86}" dt="2021-08-25T00:44:00.246" v="1038" actId="207"/>
+        <pc:sldMkLst>
+          <pc:docMk/>
+          <pc:sldMk cId="2008643402" sldId="471"/>
+        </pc:sldMkLst>
+        <pc:spChg chg="mod">
+          <ac:chgData name="Ferreira, Vinicius Novais" userId="cbb4d67d-f9b3-40c7-a629-1bdeb4d5c819" providerId="ADAL" clId="{F2F90C09-B666-47FC-AB8D-C63007C60E86}" dt="2021-08-25T00:43:33.619" v="1037" actId="20577"/>
+          <ac:spMkLst>
+            <pc:docMk/>
+            <pc:sldMk cId="2008643402" sldId="471"/>
+            <ac:spMk id="2" creationId="{B15BA19F-C787-4E6A-ADAB-C0DFF09C66A8}"/>
+          </ac:spMkLst>
+        </pc:spChg>
+        <pc:spChg chg="mod">
+          <ac:chgData name="Ferreira, Vinicius Novais" userId="cbb4d67d-f9b3-40c7-a629-1bdeb4d5c819" providerId="ADAL" clId="{F2F90C09-B666-47FC-AB8D-C63007C60E86}" dt="2021-08-25T00:37:47.468" v="588" actId="20577"/>
+          <ac:spMkLst>
+            <pc:docMk/>
+            <pc:sldMk cId="2008643402" sldId="471"/>
+            <ac:spMk id="4" creationId="{00000000-0000-0000-0000-000000000000}"/>
+          </ac:spMkLst>
+        </pc:spChg>
+        <pc:spChg chg="add del mod">
+          <ac:chgData name="Ferreira, Vinicius Novais" userId="cbb4d67d-f9b3-40c7-a629-1bdeb4d5c819" providerId="ADAL" clId="{F2F90C09-B666-47FC-AB8D-C63007C60E86}" dt="2021-08-25T00:27:45.320" v="32" actId="478"/>
+          <ac:spMkLst>
+            <pc:docMk/>
+            <pc:sldMk cId="2008643402" sldId="471"/>
+            <ac:spMk id="9" creationId="{B60B13C9-0C70-4C0F-82B2-D0CD4FDFC1F0}"/>
+          </ac:spMkLst>
+        </pc:spChg>
+        <pc:spChg chg="add mod">
+          <ac:chgData name="Ferreira, Vinicius Novais" userId="cbb4d67d-f9b3-40c7-a629-1bdeb4d5c819" providerId="ADAL" clId="{F2F90C09-B666-47FC-AB8D-C63007C60E86}" dt="2021-08-25T00:27:49.831" v="49" actId="1036"/>
+          <ac:spMkLst>
+            <pc:docMk/>
+            <pc:sldMk cId="2008643402" sldId="471"/>
+            <ac:spMk id="22" creationId="{1DAFFF76-A01F-4F25-8512-D34E6780DD5B}"/>
+          </ac:spMkLst>
+        </pc:spChg>
+        <pc:spChg chg="mod">
+          <ac:chgData name="Ferreira, Vinicius Novais" userId="cbb4d67d-f9b3-40c7-a629-1bdeb4d5c819" providerId="ADAL" clId="{F2F90C09-B666-47FC-AB8D-C63007C60E86}" dt="2021-08-25T00:43:02.948" v="990" actId="20577"/>
+          <ac:spMkLst>
+            <pc:docMk/>
+            <pc:sldMk cId="2008643402" sldId="471"/>
+            <ac:spMk id="63" creationId="{00000000-0000-0000-0000-000000000000}"/>
+          </ac:spMkLst>
+        </pc:spChg>
+        <pc:spChg chg="mod">
+          <ac:chgData name="Ferreira, Vinicius Novais" userId="cbb4d67d-f9b3-40c7-a629-1bdeb4d5c819" providerId="ADAL" clId="{F2F90C09-B666-47FC-AB8D-C63007C60E86}" dt="2021-08-25T00:44:00.246" v="1038" actId="207"/>
+          <ac:spMkLst>
+            <pc:docMk/>
+            <pc:sldMk cId="2008643402" sldId="471"/>
+            <ac:spMk id="109" creationId="{00000000-0000-0000-0000-000000000000}"/>
+          </ac:spMkLst>
+        </pc:spChg>
+      </pc:sldChg>
+    </pc:docChg>
+  </pc:docChgLst>
 </pc:chgInfo>
 </file>
 
@@ -335,7 +398,7 @@
             <a:fld id="{C3CD65D1-5C11-455D-9F9A-0E035F00A0DA}" type="datetimeFigureOut">
               <a:rPr lang="pt-BR" smtClean="0"/>
               <a:pPr/>
-              <a:t>23/08/2021</a:t>
+              <a:t>24/08/2021</a:t>
             </a:fld>
             <a:endParaRPr lang="pt-BR"/>
           </a:p>
@@ -503,7 +566,7 @@
             <a:fld id="{A05DA3EF-18EA-43DE-B1BB-402A3C558822}" type="datetimeFigureOut">
               <a:rPr lang="pt-BR" smtClean="0"/>
               <a:pPr/>
-              <a:t>23/08/2021</a:t>
+              <a:t>24/08/2021</a:t>
             </a:fld>
             <a:endParaRPr lang="pt-BR"/>
           </a:p>
@@ -20859,17 +20922,14 @@
         </p:nvSpPr>
         <p:spPr>
           <a:xfrm>
-            <a:off x="11193898" y="297930"/>
+            <a:off x="11193898" y="324247"/>
             <a:ext cx="211404" cy="211689"/>
           </a:xfrm>
           <a:prstGeom prst="ellipse">
             <a:avLst/>
           </a:prstGeom>
           <a:solidFill>
-            <a:schemeClr val="tx1">
-              <a:lumMod val="50000"/>
-              <a:lumOff val="50000"/>
-            </a:schemeClr>
+            <a:srgbClr val="1BCF13"/>
           </a:solidFill>
           <a:ln w="12700">
             <a:solidFill>
@@ -21608,53 +21668,7 @@
                 <a:latin typeface="Exo 2 Medium" panose="00000600000000000000" pitchFamily="50" charset="0"/>
                 <a:cs typeface="Simplon BP Regular"/>
               </a:rPr>
-              <a:t>Definição das proto-personas do projeto #Vinícius Novais.</a:t>
-            </a:r>
-          </a:p>
-          <a:p>
-            <a:pPr marL="0" lvl="1" indent="-252049" defTabSz="672130">
-              <a:buFont typeface="Wingdings" charset="2"/>
-              <a:buChar char="§"/>
-            </a:pPr>
-            <a:endParaRPr lang="pt-BR" sz="1323" dirty="0">
-              <a:solidFill>
-                <a:schemeClr val="tx1"/>
-              </a:solidFill>
-              <a:latin typeface="Exo 2 Medium" panose="00000600000000000000" pitchFamily="50" charset="0"/>
-              <a:cs typeface="Simplon BP Regular"/>
-            </a:endParaRPr>
-          </a:p>
-          <a:p>
-            <a:pPr marL="0" lvl="1" defTabSz="672130"/>
-            <a:r>
-              <a:rPr lang="pt-BR" sz="1323" b="1" dirty="0">
-                <a:solidFill>
-                  <a:schemeClr val="tx1"/>
-                </a:solidFill>
-                <a:latin typeface="Exo 2 Medium" panose="00000600000000000000" pitchFamily="50" charset="0"/>
-                <a:cs typeface="Simplon BP Regular"/>
-              </a:rPr>
-              <a:t>Contexto do negócio.</a:t>
-            </a:r>
-          </a:p>
-          <a:p>
-            <a:pPr marL="285750" lvl="1" indent="-285750" fontAlgn="base">
-              <a:spcBef>
-                <a:spcPct val="0"/>
-              </a:spcBef>
-              <a:buFont typeface="Wingdings" panose="05000000000000000000" pitchFamily="2" charset="2"/>
-              <a:buChar char="§"/>
-              <a:defRPr/>
-            </a:pPr>
-            <a:r>
-              <a:rPr lang="pt-BR" sz="1323" dirty="0">
-                <a:solidFill>
-                  <a:schemeClr val="tx1"/>
-                </a:solidFill>
-                <a:latin typeface="Exo 2 Medium" panose="00000600000000000000" pitchFamily="50" charset="0"/>
-                <a:cs typeface="Simplon BP Regular"/>
-              </a:rPr>
-              <a:t>Foi realizada algumas pesquisas e armazenada algumas fontes enriquecedoras referente ao contexto do negócio #Lucas G.</a:t>
+              <a:t>Revisão devido aos fatores que foi levantado na aula de socioemocional #Vinícius Novais.</a:t>
             </a:r>
           </a:p>
           <a:p>
@@ -21687,7 +21701,7 @@
                 <a:latin typeface="Exo 2 Medium" panose="00000600000000000000" pitchFamily="50" charset="0"/>
                 <a:cs typeface="Simplon BP Regular"/>
               </a:rPr>
-              <a:t>Ferramentas de gestão.</a:t>
+              <a:t>Mapa de empatia.</a:t>
             </a:r>
           </a:p>
           <a:p>
@@ -21707,25 +21721,61 @@
                 <a:latin typeface="Exo 2 Medium" panose="00000600000000000000" pitchFamily="50" charset="0"/>
                 <a:cs typeface="Simplon BP Regular"/>
               </a:rPr>
-              <a:t>Definida algumas ferramentas de gestão/comunicação entre os membros do projeto (Planner, ATAS, Discord, Whatsapp) #João Vitor.</a:t>
+              <a:t>Foi chegado a um consenso nas respostas das 36 perguntas referente ao socioemocional #Luiz Gustavo</a:t>
             </a:r>
           </a:p>
           <a:p>
-            <a:pPr marL="252049" lvl="1" indent="-252049" fontAlgn="base">
+            <a:pPr marL="0" lvl="1" fontAlgn="base">
               <a:spcBef>
                 <a:spcPct val="0"/>
               </a:spcBef>
-              <a:buFont typeface="Wingdings" panose="05000000000000000000" pitchFamily="2" charset="2"/>
-              <a:buChar char="ü"/>
               <a:defRPr/>
             </a:pPr>
-            <a:endParaRPr lang="pt-BR" sz="1323" b="1" dirty="0">
+            <a:endParaRPr lang="pt-BR" sz="1323" dirty="0">
               <a:solidFill>
                 <a:schemeClr val="tx1"/>
               </a:solidFill>
               <a:latin typeface="Exo 2 Medium" panose="00000600000000000000" pitchFamily="50" charset="0"/>
               <a:cs typeface="Simplon BP Regular"/>
             </a:endParaRPr>
+          </a:p>
+          <a:p>
+            <a:pPr marL="0" lvl="1" fontAlgn="base">
+              <a:spcBef>
+                <a:spcPct val="0"/>
+              </a:spcBef>
+              <a:defRPr/>
+            </a:pPr>
+            <a:r>
+              <a:rPr lang="pt-BR" sz="1323" b="1" dirty="0">
+                <a:solidFill>
+                  <a:schemeClr val="tx1"/>
+                </a:solidFill>
+                <a:latin typeface="Exo 2 Medium" panose="00000600000000000000" pitchFamily="50" charset="0"/>
+                <a:cs typeface="Simplon BP Regular"/>
+              </a:rPr>
+              <a:t>Paleta de cores.</a:t>
+            </a:r>
+          </a:p>
+          <a:p>
+            <a:pPr marL="285750" lvl="1" indent="-285750" fontAlgn="base">
+              <a:spcBef>
+                <a:spcPct val="0"/>
+              </a:spcBef>
+              <a:buFont typeface="Wingdings" panose="05000000000000000000" pitchFamily="2" charset="2"/>
+              <a:buChar char="§"/>
+              <a:defRPr/>
+            </a:pPr>
+            <a:r>
+              <a:rPr lang="pt-BR" sz="1323" dirty="0">
+                <a:solidFill>
+                  <a:schemeClr val="tx1"/>
+                </a:solidFill>
+                <a:latin typeface="Exo 2 Medium" panose="00000600000000000000" pitchFamily="50" charset="0"/>
+                <a:cs typeface="Simplon BP Regular"/>
+              </a:rPr>
+              <a:t>Definido as cores predominantes da nossa aplicação #Lucas F</a:t>
+            </a:r>
           </a:p>
           <a:p>
             <a:pPr marL="252049" lvl="1" indent="-252049" fontAlgn="base">
@@ -21789,7 +21839,7 @@
         <p:spPr>
           <a:xfrm>
             <a:off x="6844996" y="1121895"/>
-            <a:ext cx="6164295" cy="295915"/>
+            <a:ext cx="6164295" cy="499496"/>
           </a:xfrm>
           <a:prstGeom prst="rect">
             <a:avLst/>
@@ -21810,11 +21860,11 @@
               <a:defRPr/>
             </a:pPr>
             <a:r>
-              <a:rPr lang="pt-BR" sz="1323" b="1" dirty="0">
+              <a:rPr lang="pt-BR" sz="1323" dirty="0">
                 <a:latin typeface="Exo 2 Medium" panose="00000600000000000000" pitchFamily="50" charset="0"/>
                 <a:cs typeface="Simplon BP Regular"/>
               </a:rPr>
-              <a:t>Falta de dados estatísticos voltados ao tema do nosso projeto.</a:t>
+              <a:t>Devido ao fato de ficarmos um pouco confortáveis no projeto, acabou que gerou uma grande demanda para as próximas reuniões.</a:t>
             </a:r>
           </a:p>
         </p:txBody>
@@ -21877,12 +21927,12 @@
                 <a:latin typeface="Exo 2 Medium" panose="00000600000000000000" pitchFamily="50" charset="0"/>
                 <a:cs typeface="Simplon BP Regular"/>
               </a:rPr>
-              <a:t>Projeto configurado no Github.</a:t>
+              <a:t>Aplicação.</a:t>
             </a:r>
           </a:p>
           <a:p>
-            <a:pPr marL="0" lvl="1" indent="-252049" defTabSz="672130">
-              <a:buFont typeface="Wingdings" charset="2"/>
+            <a:pPr marL="285750" lvl="1" indent="-285750" defTabSz="672130">
+              <a:buFont typeface="Wingdings" panose="05000000000000000000" pitchFamily="2" charset="2"/>
               <a:buChar char="§"/>
             </a:pPr>
             <a:r>
@@ -21893,7 +21943,7 @@
                 <a:latin typeface="Exo 2 Medium" panose="00000600000000000000" pitchFamily="50" charset="0"/>
                 <a:cs typeface="Simplon BP Regular"/>
               </a:rPr>
-              <a:t>Repositório criado e configurado no Github #Caio Elcio.</a:t>
+              <a:t>Features #Caio Elcio.</a:t>
             </a:r>
           </a:p>
           <a:p>
@@ -21916,7 +21966,7 @@
                 <a:latin typeface="Exo 2 Medium" panose="00000600000000000000" pitchFamily="50" charset="0"/>
                 <a:cs typeface="Simplon BP Regular"/>
               </a:rPr>
-              <a:t>Frente Idealização do Projeto.</a:t>
+              <a:t>Mapa de empatia.</a:t>
             </a:r>
           </a:p>
           <a:p>
@@ -21932,7 +21982,7 @@
                 <a:latin typeface="Exo 2 Medium" panose="00000600000000000000" pitchFamily="50" charset="0"/>
                 <a:cs typeface="Simplon BP Regular"/>
               </a:rPr>
-              <a:t>Wireframe e prototipação no Figma #Luiz Gustavo.</a:t>
+              <a:t>Dar prosseguimento no mapa de empatia #Luiz Gustavo.</a:t>
             </a:r>
           </a:p>
           <a:p>
@@ -21955,11 +22005,11 @@
                 <a:latin typeface="Exo 2 Medium" panose="00000600000000000000" pitchFamily="50" charset="0"/>
                 <a:cs typeface="Simplon BP Regular"/>
               </a:rPr>
-              <a:t>Frente Desenvolvimento do Projeto.</a:t>
+              <a:t>Prototipação.</a:t>
             </a:r>
           </a:p>
           <a:p>
-            <a:pPr marL="0" lvl="1" indent="-252049">
+            <a:pPr marL="285750" lvl="1" indent="-285750" defTabSz="672130">
               <a:buFont typeface="Wingdings" panose="05000000000000000000" pitchFamily="2" charset="2"/>
               <a:buChar char="§"/>
             </a:pPr>
@@ -21971,8 +22021,70 @@
                 <a:latin typeface="Exo 2 Medium" panose="00000600000000000000" pitchFamily="50" charset="0"/>
                 <a:cs typeface="Simplon BP Regular"/>
               </a:rPr>
-              <a:t>Justificativa do projeto e contexto de negócio  #Lucas F.</a:t>
+              <a:t>Dar início as telas da nossa aplicação #Lucas G.</a:t>
             </a:r>
+          </a:p>
+          <a:p>
+            <a:pPr marL="285750" lvl="1" indent="-285750" defTabSz="672130">
+              <a:buFont typeface="Wingdings" panose="05000000000000000000" pitchFamily="2" charset="2"/>
+              <a:buChar char="§"/>
+            </a:pPr>
+            <a:endParaRPr lang="pt-BR" sz="1323" dirty="0">
+              <a:solidFill>
+                <a:schemeClr val="tx1"/>
+              </a:solidFill>
+              <a:latin typeface="Exo 2 Medium" panose="00000600000000000000" pitchFamily="50" charset="0"/>
+              <a:cs typeface="Simplon BP Regular"/>
+            </a:endParaRPr>
+          </a:p>
+          <a:p>
+            <a:pPr marL="0" lvl="1" defTabSz="672130"/>
+            <a:r>
+              <a:rPr lang="pt-BR" sz="1323" b="1" dirty="0">
+                <a:solidFill>
+                  <a:schemeClr val="tx1"/>
+                </a:solidFill>
+                <a:latin typeface="Exo 2 Medium" panose="00000600000000000000" pitchFamily="50" charset="0"/>
+                <a:cs typeface="Simplon BP Regular"/>
+              </a:rPr>
+              <a:t>Desenho de solução. </a:t>
+            </a:r>
+          </a:p>
+          <a:p>
+            <a:pPr marL="285750" lvl="1" indent="-285750" defTabSz="672130">
+              <a:buFont typeface="Wingdings" panose="05000000000000000000" pitchFamily="2" charset="2"/>
+              <a:buChar char="§"/>
+            </a:pPr>
+            <a:r>
+              <a:rPr lang="pt-BR" sz="1323" dirty="0">
+                <a:solidFill>
+                  <a:schemeClr val="tx1"/>
+                </a:solidFill>
+                <a:latin typeface="Exo 2 Medium" panose="00000600000000000000" pitchFamily="50" charset="0"/>
+                <a:cs typeface="Simplon BP Regular"/>
+              </a:rPr>
+              <a:t>Definido em primeira instância o HLD #João Vitor</a:t>
+            </a:r>
+          </a:p>
+          <a:p>
+            <a:pPr marL="0" lvl="1" defTabSz="672130"/>
+            <a:endParaRPr lang="pt-BR" sz="1323" dirty="0">
+              <a:solidFill>
+                <a:schemeClr val="tx1"/>
+              </a:solidFill>
+              <a:latin typeface="Exo 2 Medium" panose="00000600000000000000" pitchFamily="50" charset="0"/>
+              <a:cs typeface="Simplon BP Regular"/>
+            </a:endParaRPr>
+          </a:p>
+          <a:p>
+            <a:pPr marL="0" lvl="1" defTabSz="672130"/>
+            <a:endParaRPr lang="pt-BR" sz="1600" b="1" dirty="0">
+              <a:solidFill>
+                <a:schemeClr val="tx1"/>
+              </a:solidFill>
+              <a:latin typeface="Exo 2 Medium" panose="00000600000000000000" pitchFamily="50" charset="0"/>
+              <a:cs typeface="Simplon BP Regular"/>
+            </a:endParaRPr>
           </a:p>
           <a:p>
             <a:pPr marL="0" lvl="1" defTabSz="672130"/>
@@ -22044,68 +22156,6 @@
             <a:endParaRPr lang="en-US" sz="1176" dirty="0">
               <a:solidFill>
                 <a:srgbClr val="00B050"/>
-              </a:solidFill>
-              <a:latin typeface="Exo 2 Medium" panose="00000600000000000000" pitchFamily="50" charset="0"/>
-              <a:cs typeface="Simplon BP Regular"/>
-            </a:endParaRPr>
-          </a:p>
-        </p:txBody>
-      </p:sp>
-      <p:sp>
-        <p:nvSpPr>
-          <p:cNvPr id="9" name="Oval 134">
-            <a:extLst>
-              <a:ext uri="{FF2B5EF4-FFF2-40B4-BE49-F238E27FC236}">
-                <a16:creationId xmlns:a16="http://schemas.microsoft.com/office/drawing/2014/main" id="{B60B13C9-0C70-4C0F-82B2-D0CD4FDFC1F0}"/>
-              </a:ext>
-            </a:extLst>
-          </p:cNvPr>
-          <p:cNvSpPr>
-            <a:spLocks noChangeAspect="1"/>
-          </p:cNvSpPr>
-          <p:nvPr/>
-        </p:nvSpPr>
-        <p:spPr>
-          <a:xfrm>
-            <a:off x="12155999" y="297930"/>
-            <a:ext cx="211404" cy="211689"/>
-          </a:xfrm>
-          <a:prstGeom prst="ellipse">
-            <a:avLst/>
-          </a:prstGeom>
-          <a:solidFill>
-            <a:srgbClr val="FFC000"/>
-          </a:solidFill>
-          <a:ln w="12700">
-            <a:solidFill>
-              <a:schemeClr val="accent6"/>
-            </a:solidFill>
-          </a:ln>
-        </p:spPr>
-        <p:style>
-          <a:lnRef idx="2">
-            <a:schemeClr val="accent1">
-              <a:shade val="50000"/>
-            </a:schemeClr>
-          </a:lnRef>
-          <a:fillRef idx="1">
-            <a:schemeClr val="accent1"/>
-          </a:fillRef>
-          <a:effectRef idx="0">
-            <a:schemeClr val="accent1"/>
-          </a:effectRef>
-          <a:fontRef idx="minor">
-            <a:schemeClr val="lt1"/>
-          </a:fontRef>
-        </p:style>
-        <p:txBody>
-          <a:bodyPr wrap="none" lIns="52922" tIns="52922" rIns="52922" rtlCol="0" anchor="ctr"/>
-          <a:lstStyle/>
-          <a:p>
-            <a:pPr algn="ctr" defTabSz="672130"/>
-            <a:endParaRPr lang="en-US" sz="1176" dirty="0">
-              <a:solidFill>
-                <a:prstClr val="black"/>
               </a:solidFill>
               <a:latin typeface="Exo 2 Medium" panose="00000600000000000000" pitchFamily="50" charset="0"/>
               <a:cs typeface="Simplon BP Regular"/>
@@ -22391,6 +22441,68 @@
               </a:rPr>
               <a:t>   </a:t>
             </a:r>
+          </a:p>
+        </p:txBody>
+      </p:sp>
+      <p:sp>
+        <p:nvSpPr>
+          <p:cNvPr id="22" name="Oval 134">
+            <a:extLst>
+              <a:ext uri="{FF2B5EF4-FFF2-40B4-BE49-F238E27FC236}">
+                <a16:creationId xmlns:a16="http://schemas.microsoft.com/office/drawing/2014/main" id="{1DAFFF76-A01F-4F25-8512-D34E6780DD5B}"/>
+              </a:ext>
+            </a:extLst>
+          </p:cNvPr>
+          <p:cNvSpPr>
+            <a:spLocks noChangeAspect="1"/>
+          </p:cNvSpPr>
+          <p:nvPr/>
+        </p:nvSpPr>
+        <p:spPr>
+          <a:xfrm>
+            <a:off x="12166910" y="328582"/>
+            <a:ext cx="211404" cy="211689"/>
+          </a:xfrm>
+          <a:prstGeom prst="ellipse">
+            <a:avLst/>
+          </a:prstGeom>
+          <a:solidFill>
+            <a:srgbClr val="1BCF13"/>
+          </a:solidFill>
+          <a:ln w="12700">
+            <a:solidFill>
+              <a:schemeClr val="accent3"/>
+            </a:solidFill>
+          </a:ln>
+        </p:spPr>
+        <p:style>
+          <a:lnRef idx="2">
+            <a:schemeClr val="accent1">
+              <a:shade val="50000"/>
+            </a:schemeClr>
+          </a:lnRef>
+          <a:fillRef idx="1">
+            <a:schemeClr val="accent1"/>
+          </a:fillRef>
+          <a:effectRef idx="0">
+            <a:schemeClr val="accent1"/>
+          </a:effectRef>
+          <a:fontRef idx="minor">
+            <a:schemeClr val="lt1"/>
+          </a:fontRef>
+        </p:style>
+        <p:txBody>
+          <a:bodyPr wrap="none" lIns="52922" tIns="52922" rIns="52922" rtlCol="0" anchor="ctr"/>
+          <a:lstStyle/>
+          <a:p>
+            <a:pPr algn="ctr" defTabSz="672130"/>
+            <a:endParaRPr lang="en-US" sz="1176" dirty="0">
+              <a:solidFill>
+                <a:srgbClr val="FFC000"/>
+              </a:solidFill>
+              <a:latin typeface="Exo 2 Medium" panose="00000600000000000000" pitchFamily="50" charset="0"/>
+              <a:cs typeface="Simplon BP Regular"/>
+            </a:endParaRPr>
           </a:p>
         </p:txBody>
       </p:sp>
@@ -23823,12 +23935,9 @@
 </file>
 
 <file path=customXml/item1.xml><?xml version="1.0" encoding="utf-8"?>
-<?mso-contentType ?>
-<FormTemplates xmlns="http://schemas.microsoft.com/sharepoint/v3/contenttype/forms">
-  <Display>DocumentLibraryForm</Display>
-  <Edit>DocumentLibraryForm</Edit>
-  <New>DocumentLibraryForm</New>
-</FormTemplates>
+<p:properties xmlns:p="http://schemas.microsoft.com/office/2006/metadata/properties" xmlns:xsi="http://www.w3.org/2001/XMLSchema-instance" xmlns:pc="http://schemas.microsoft.com/office/infopath/2007/PartnerControls">
+  <documentManagement/>
+</p:properties>
 </file>
 
 <file path=customXml/item2.xml><?xml version="1.0" encoding="utf-8"?>
@@ -23946,15 +24055,27 @@
 </file>
 
 <file path=customXml/item3.xml><?xml version="1.0" encoding="utf-8"?>
-<p:properties xmlns:p="http://schemas.microsoft.com/office/2006/metadata/properties" xmlns:xsi="http://www.w3.org/2001/XMLSchema-instance" xmlns:pc="http://schemas.microsoft.com/office/infopath/2007/PartnerControls">
-  <documentManagement/>
-</p:properties>
+<?mso-contentType ?>
+<FormTemplates xmlns="http://schemas.microsoft.com/sharepoint/v3/contenttype/forms">
+  <Display>DocumentLibraryForm</Display>
+  <Edit>DocumentLibraryForm</Edit>
+  <New>DocumentLibraryForm</New>
+</FormTemplates>
 </file>
 
 <file path=customXml/itemProps1.xml><?xml version="1.0" encoding="utf-8"?>
-<ds:datastoreItem xmlns:ds="http://schemas.openxmlformats.org/officeDocument/2006/customXml" ds:itemID="{E2481852-F24E-4532-AF30-C154D705D105}">
+<ds:datastoreItem xmlns:ds="http://schemas.openxmlformats.org/officeDocument/2006/customXml" ds:itemID="{4B31267F-D399-4A8A-87F8-B75F56828412}">
   <ds:schemaRefs>
-    <ds:schemaRef ds:uri="http://schemas.microsoft.com/sharepoint/v3/contenttype/forms"/>
+    <ds:schemaRef ds:uri="http://www.w3.org/XML/1998/namespace"/>
+    <ds:schemaRef ds:uri="http://schemas.microsoft.com/office/2006/documentManagement/types"/>
+    <ds:schemaRef ds:uri="bbcd8c33-6940-4d4c-a587-bbc736ca1e4d"/>
+    <ds:schemaRef ds:uri="http://purl.org/dc/elements/1.1/"/>
+    <ds:schemaRef ds:uri="http://purl.org/dc/dcmitype/"/>
+    <ds:schemaRef ds:uri="4327b14a-fe89-488e-9f6d-9658cacf372b"/>
+    <ds:schemaRef ds:uri="http://schemas.microsoft.com/office/infopath/2007/PartnerControls"/>
+    <ds:schemaRef ds:uri="http://schemas.openxmlformats.org/package/2006/metadata/core-properties"/>
+    <ds:schemaRef ds:uri="http://schemas.microsoft.com/office/2006/metadata/properties"/>
+    <ds:schemaRef ds:uri="http://purl.org/dc/terms/"/>
   </ds:schemaRefs>
 </ds:datastoreItem>
 </file>
@@ -23976,18 +24097,9 @@
 </file>
 
 <file path=customXml/itemProps3.xml><?xml version="1.0" encoding="utf-8"?>
-<ds:datastoreItem xmlns:ds="http://schemas.openxmlformats.org/officeDocument/2006/customXml" ds:itemID="{4B31267F-D399-4A8A-87F8-B75F56828412}">
+<ds:datastoreItem xmlns:ds="http://schemas.openxmlformats.org/officeDocument/2006/customXml" ds:itemID="{E2481852-F24E-4532-AF30-C154D705D105}">
   <ds:schemaRefs>
-    <ds:schemaRef ds:uri="http://www.w3.org/XML/1998/namespace"/>
-    <ds:schemaRef ds:uri="http://schemas.microsoft.com/office/2006/documentManagement/types"/>
-    <ds:schemaRef ds:uri="bbcd8c33-6940-4d4c-a587-bbc736ca1e4d"/>
-    <ds:schemaRef ds:uri="http://purl.org/dc/elements/1.1/"/>
-    <ds:schemaRef ds:uri="http://purl.org/dc/dcmitype/"/>
-    <ds:schemaRef ds:uri="4327b14a-fe89-488e-9f6d-9658cacf372b"/>
-    <ds:schemaRef ds:uri="http://schemas.microsoft.com/office/infopath/2007/PartnerControls"/>
-    <ds:schemaRef ds:uri="http://schemas.openxmlformats.org/package/2006/metadata/core-properties"/>
-    <ds:schemaRef ds:uri="http://schemas.microsoft.com/office/2006/metadata/properties"/>
-    <ds:schemaRef ds:uri="http://purl.org/dc/terms/"/>
+    <ds:schemaRef ds:uri="http://schemas.microsoft.com/sharepoint/v3/contenttype/forms"/>
   </ds:schemaRefs>
 </ds:datastoreItem>
 </file>